--- a/动态图片.pptx
+++ b/动态图片.pptx
@@ -276,7 +276,7 @@
           <a:p>
             <a:fld id="{6AF5F8E3-31EE-4235-A1A1-81E42DA57221}" type="datetimeFigureOut">
               <a:rPr lang="zh-CN" altLang="en-US" smtClean="0"/>
-              <a:t>2021/7/14</a:t>
+              <a:t>2021/7/27</a:t>
             </a:fld>
             <a:endParaRPr lang="zh-CN" altLang="en-US"/>
           </a:p>
@@ -510,7 +510,7 @@
           <a:p>
             <a:fld id="{6AF5F8E3-31EE-4235-A1A1-81E42DA57221}" type="datetimeFigureOut">
               <a:rPr lang="zh-CN" altLang="en-US" smtClean="0"/>
-              <a:t>2021/7/14</a:t>
+              <a:t>2021/7/27</a:t>
             </a:fld>
             <a:endParaRPr lang="zh-CN" altLang="en-US"/>
           </a:p>
@@ -718,7 +718,7 @@
           <a:p>
             <a:fld id="{6AF5F8E3-31EE-4235-A1A1-81E42DA57221}" type="datetimeFigureOut">
               <a:rPr lang="zh-CN" altLang="en-US" smtClean="0"/>
-              <a:t>2021/7/14</a:t>
+              <a:t>2021/7/27</a:t>
             </a:fld>
             <a:endParaRPr lang="zh-CN" altLang="en-US"/>
           </a:p>
@@ -916,7 +916,7 @@
           <a:p>
             <a:fld id="{6AF5F8E3-31EE-4235-A1A1-81E42DA57221}" type="datetimeFigureOut">
               <a:rPr lang="zh-CN" altLang="en-US" smtClean="0"/>
-              <a:t>2021/7/14</a:t>
+              <a:t>2021/7/27</a:t>
             </a:fld>
             <a:endParaRPr lang="zh-CN" altLang="en-US"/>
           </a:p>
@@ -1191,7 +1191,7 @@
           <a:p>
             <a:fld id="{6AF5F8E3-31EE-4235-A1A1-81E42DA57221}" type="datetimeFigureOut">
               <a:rPr lang="zh-CN" altLang="en-US" smtClean="0"/>
-              <a:t>2021/7/14</a:t>
+              <a:t>2021/7/27</a:t>
             </a:fld>
             <a:endParaRPr lang="zh-CN" altLang="en-US"/>
           </a:p>
@@ -1456,7 +1456,7 @@
           <a:p>
             <a:fld id="{6AF5F8E3-31EE-4235-A1A1-81E42DA57221}" type="datetimeFigureOut">
               <a:rPr lang="zh-CN" altLang="en-US" smtClean="0"/>
-              <a:t>2021/7/14</a:t>
+              <a:t>2021/7/27</a:t>
             </a:fld>
             <a:endParaRPr lang="zh-CN" altLang="en-US"/>
           </a:p>
@@ -1868,7 +1868,7 @@
           <a:p>
             <a:fld id="{6AF5F8E3-31EE-4235-A1A1-81E42DA57221}" type="datetimeFigureOut">
               <a:rPr lang="zh-CN" altLang="en-US" smtClean="0"/>
-              <a:t>2021/7/14</a:t>
+              <a:t>2021/7/27</a:t>
             </a:fld>
             <a:endParaRPr lang="zh-CN" altLang="en-US"/>
           </a:p>
@@ -2009,7 +2009,7 @@
           <a:p>
             <a:fld id="{6AF5F8E3-31EE-4235-A1A1-81E42DA57221}" type="datetimeFigureOut">
               <a:rPr lang="zh-CN" altLang="en-US" smtClean="0"/>
-              <a:t>2021/7/14</a:t>
+              <a:t>2021/7/27</a:t>
             </a:fld>
             <a:endParaRPr lang="zh-CN" altLang="en-US"/>
           </a:p>
@@ -2122,7 +2122,7 @@
           <a:p>
             <a:fld id="{6AF5F8E3-31EE-4235-A1A1-81E42DA57221}" type="datetimeFigureOut">
               <a:rPr lang="zh-CN" altLang="en-US" smtClean="0"/>
-              <a:t>2021/7/14</a:t>
+              <a:t>2021/7/27</a:t>
             </a:fld>
             <a:endParaRPr lang="zh-CN" altLang="en-US"/>
           </a:p>
@@ -2433,7 +2433,7 @@
           <a:p>
             <a:fld id="{6AF5F8E3-31EE-4235-A1A1-81E42DA57221}" type="datetimeFigureOut">
               <a:rPr lang="zh-CN" altLang="en-US" smtClean="0"/>
-              <a:t>2021/7/14</a:t>
+              <a:t>2021/7/27</a:t>
             </a:fld>
             <a:endParaRPr lang="zh-CN" altLang="en-US"/>
           </a:p>
@@ -2721,7 +2721,7 @@
           <a:p>
             <a:fld id="{6AF5F8E3-31EE-4235-A1A1-81E42DA57221}" type="datetimeFigureOut">
               <a:rPr lang="zh-CN" altLang="en-US" smtClean="0"/>
-              <a:t>2021/7/14</a:t>
+              <a:t>2021/7/27</a:t>
             </a:fld>
             <a:endParaRPr lang="zh-CN" altLang="en-US"/>
           </a:p>
@@ -2962,7 +2962,7 @@
           <a:p>
             <a:fld id="{6AF5F8E3-31EE-4235-A1A1-81E42DA57221}" type="datetimeFigureOut">
               <a:rPr lang="zh-CN" altLang="en-US" smtClean="0"/>
-              <a:t>2021/7/14</a:t>
+              <a:t>2021/7/27</a:t>
             </a:fld>
             <a:endParaRPr lang="zh-CN" altLang="en-US"/>
           </a:p>
@@ -3410,28 +3410,14 @@
                 <a:latin typeface="微软雅黑" panose="020B0503020204020204" pitchFamily="34" charset="-122"/>
                 <a:ea typeface="微软雅黑" panose="020B0503020204020204" pitchFamily="34" charset="-122"/>
               </a:rPr>
-              <a:t>LeetCode-51</a:t>
+              <a:t>LeetCode-55 </a:t>
             </a:r>
             <a:r>
               <a:rPr lang="zh-CN" altLang="en-US" dirty="0">
                 <a:latin typeface="微软雅黑" panose="020B0503020204020204" pitchFamily="34" charset="-122"/>
                 <a:ea typeface="微软雅黑" panose="020B0503020204020204" pitchFamily="34" charset="-122"/>
               </a:rPr>
-              <a:t>、</a:t>
-            </a:r>
-            <a:r>
-              <a:rPr lang="en-US" altLang="zh-CN" dirty="0">
-                <a:latin typeface="微软雅黑" panose="020B0503020204020204" pitchFamily="34" charset="-122"/>
-                <a:ea typeface="微软雅黑" panose="020B0503020204020204" pitchFamily="34" charset="-122"/>
-              </a:rPr>
-              <a:t>52 N</a:t>
-            </a:r>
-            <a:r>
-              <a:rPr lang="zh-CN" altLang="en-US" dirty="0">
-                <a:latin typeface="微软雅黑" panose="020B0503020204020204" pitchFamily="34" charset="-122"/>
-                <a:ea typeface="微软雅黑" panose="020B0503020204020204" pitchFamily="34" charset="-122"/>
-              </a:rPr>
-              <a:t>皇后</a:t>
+              <a:t>跳跃游戏</a:t>
             </a:r>
           </a:p>
         </p:txBody>
@@ -3449,11 +3435,11 @@
   <p:clrMapOvr>
     <a:masterClrMapping/>
   </p:clrMapOvr>
-  <mc:AlternateContent xmlns:mc="http://schemas.openxmlformats.org/markup-compatibility/2006">
-    <mc:Choice xmlns:p14="http://schemas.microsoft.com/office/powerpoint/2010/main" Requires="p14">
+  <mc:AlternateContent xmlns:mc="http://schemas.openxmlformats.org/markup-compatibility/2006" xmlns:p14="http://schemas.microsoft.com/office/powerpoint/2010/main">
+    <mc:Choice Requires="p14">
       <p:transition spd="slow" p14:dur="2000" advTm="1303"/>
     </mc:Choice>
-    <mc:Fallback>
+    <mc:Fallback xmlns="">
       <p:transition spd="slow" advTm="1303"/>
     </mc:Fallback>
   </mc:AlternateContent>
@@ -3563,364 +3549,12 @@
           <a:chExt cx="0" cy="0"/>
         </a:xfrm>
       </p:grpSpPr>
-      <p:pic>
-        <p:nvPicPr>
-          <p:cNvPr id="28" name="图片 27">
-            <a:extLst>
-              <a:ext uri="{FF2B5EF4-FFF2-40B4-BE49-F238E27FC236}">
-                <a16:creationId xmlns:a16="http://schemas.microsoft.com/office/drawing/2014/main" id="{52CB735B-8DF0-4233-BA0D-3A8919624C7A}"/>
-              </a:ext>
-            </a:extLst>
-          </p:cNvPr>
-          <p:cNvPicPr>
-            <a:picLocks noChangeAspect="1"/>
-          </p:cNvPicPr>
-          <p:nvPr/>
-        </p:nvPicPr>
-        <p:blipFill>
-          <a:blip r:embed="rId3">
-            <a:extLst>
-              <a:ext uri="{28A0092B-C50C-407E-A947-70E740481C1C}">
-                <a14:useLocalDpi xmlns:a14="http://schemas.microsoft.com/office/drawing/2010/main" val="0"/>
-              </a:ext>
-            </a:extLst>
-          </a:blip>
-          <a:stretch>
-            <a:fillRect/>
-          </a:stretch>
-        </p:blipFill>
-        <p:spPr>
-          <a:xfrm>
-            <a:off x="4786476" y="2129000"/>
-            <a:ext cx="2619048" cy="2600000"/>
-          </a:xfrm>
-          <a:prstGeom prst="rect">
-            <a:avLst/>
-          </a:prstGeom>
-        </p:spPr>
-      </p:pic>
-      <p:pic>
-        <p:nvPicPr>
-          <p:cNvPr id="31" name="图片 30">
-            <a:extLst>
-              <a:ext uri="{FF2B5EF4-FFF2-40B4-BE49-F238E27FC236}">
-                <a16:creationId xmlns:a16="http://schemas.microsoft.com/office/drawing/2014/main" id="{110B35EF-02C2-4657-9E83-1408BAFB4698}"/>
-              </a:ext>
-            </a:extLst>
-          </p:cNvPr>
-          <p:cNvPicPr>
-            <a:picLocks/>
-          </p:cNvPicPr>
-          <p:nvPr/>
-        </p:nvPicPr>
-        <p:blipFill>
-          <a:blip r:embed="rId4"/>
-          <a:stretch>
-            <a:fillRect/>
-          </a:stretch>
-        </p:blipFill>
-        <p:spPr>
-          <a:xfrm>
-            <a:off x="6287404" y="2920074"/>
-            <a:ext cx="216000" cy="324000"/>
-          </a:xfrm>
-          <a:prstGeom prst="rect">
-            <a:avLst/>
-          </a:prstGeom>
-        </p:spPr>
-      </p:pic>
-      <p:pic>
-        <p:nvPicPr>
-          <p:cNvPr id="33" name="图片 32">
-            <a:extLst>
-              <a:ext uri="{FF2B5EF4-FFF2-40B4-BE49-F238E27FC236}">
-                <a16:creationId xmlns:a16="http://schemas.microsoft.com/office/drawing/2014/main" id="{46DB0AFB-4947-41EB-9900-A6107D517726}"/>
-              </a:ext>
-            </a:extLst>
-          </p:cNvPr>
-          <p:cNvPicPr>
-            <a:picLocks/>
-          </p:cNvPicPr>
-          <p:nvPr/>
-        </p:nvPicPr>
-        <p:blipFill>
-          <a:blip r:embed="rId5"/>
-          <a:stretch>
-            <a:fillRect/>
-          </a:stretch>
-        </p:blipFill>
-        <p:spPr>
-          <a:xfrm>
-            <a:off x="5024613" y="2309358"/>
-            <a:ext cx="216000" cy="324000"/>
-          </a:xfrm>
-          <a:prstGeom prst="rect">
-            <a:avLst/>
-          </a:prstGeom>
-        </p:spPr>
-      </p:pic>
-      <p:cxnSp>
-        <p:nvCxnSpPr>
-          <p:cNvPr id="6" name="直接连接符 5">
-            <a:extLst>
-              <a:ext uri="{FF2B5EF4-FFF2-40B4-BE49-F238E27FC236}">
-                <a16:creationId xmlns:a16="http://schemas.microsoft.com/office/drawing/2014/main" id="{ACA18617-0C73-404E-B85E-54EF9984173E}"/>
-              </a:ext>
-            </a:extLst>
-          </p:cNvPr>
-          <p:cNvCxnSpPr/>
-          <p:nvPr/>
-        </p:nvCxnSpPr>
-        <p:spPr>
-          <a:xfrm>
-            <a:off x="5341620" y="2453640"/>
-            <a:ext cx="1897380" cy="0"/>
-          </a:xfrm>
-          <a:prstGeom prst="line">
-            <a:avLst/>
-          </a:prstGeom>
-          <a:ln w="34925">
-            <a:solidFill>
-              <a:srgbClr val="FF0000"/>
-            </a:solidFill>
-          </a:ln>
-        </p:spPr>
-        <p:style>
-          <a:lnRef idx="3">
-            <a:schemeClr val="accent2"/>
-          </a:lnRef>
-          <a:fillRef idx="0">
-            <a:schemeClr val="accent2"/>
-          </a:fillRef>
-          <a:effectRef idx="2">
-            <a:schemeClr val="accent2"/>
-          </a:effectRef>
-          <a:fontRef idx="minor">
-            <a:schemeClr val="tx1"/>
-          </a:fontRef>
-        </p:style>
-      </p:cxnSp>
-      <p:cxnSp>
-        <p:nvCxnSpPr>
-          <p:cNvPr id="40" name="直接连接符 39">
-            <a:extLst>
-              <a:ext uri="{FF2B5EF4-FFF2-40B4-BE49-F238E27FC236}">
-                <a16:creationId xmlns:a16="http://schemas.microsoft.com/office/drawing/2014/main" id="{4D3BB6A7-FC0E-473A-996D-895153F132C1}"/>
-              </a:ext>
-            </a:extLst>
-          </p:cNvPr>
-          <p:cNvCxnSpPr>
-            <a:cxnSpLocks/>
-          </p:cNvCxnSpPr>
-          <p:nvPr/>
-        </p:nvCxnSpPr>
-        <p:spPr>
-          <a:xfrm flipV="1">
-            <a:off x="5128260" y="2649714"/>
-            <a:ext cx="0" cy="1861326"/>
-          </a:xfrm>
-          <a:prstGeom prst="line">
-            <a:avLst/>
-          </a:prstGeom>
-          <a:ln w="34925">
-            <a:solidFill>
-              <a:srgbClr val="FF0000"/>
-            </a:solidFill>
-          </a:ln>
-        </p:spPr>
-        <p:style>
-          <a:lnRef idx="3">
-            <a:schemeClr val="accent2"/>
-          </a:lnRef>
-          <a:fillRef idx="0">
-            <a:schemeClr val="accent2"/>
-          </a:fillRef>
-          <a:effectRef idx="2">
-            <a:schemeClr val="accent2"/>
-          </a:effectRef>
-          <a:fontRef idx="minor">
-            <a:schemeClr val="tx1"/>
-          </a:fontRef>
-        </p:style>
-      </p:cxnSp>
-      <p:cxnSp>
-        <p:nvCxnSpPr>
-          <p:cNvPr id="41" name="直接连接符 40">
-            <a:extLst>
-              <a:ext uri="{FF2B5EF4-FFF2-40B4-BE49-F238E27FC236}">
-                <a16:creationId xmlns:a16="http://schemas.microsoft.com/office/drawing/2014/main" id="{FBBDF7DE-A579-46BE-8E2D-BAED936A67F1}"/>
-              </a:ext>
-            </a:extLst>
-          </p:cNvPr>
-          <p:cNvCxnSpPr>
-            <a:cxnSpLocks/>
-          </p:cNvCxnSpPr>
-          <p:nvPr/>
-        </p:nvCxnSpPr>
-        <p:spPr>
-          <a:xfrm flipH="1" flipV="1">
-            <a:off x="5341620" y="2649714"/>
-            <a:ext cx="1897380" cy="1861326"/>
-          </a:xfrm>
-          <a:prstGeom prst="line">
-            <a:avLst/>
-          </a:prstGeom>
-          <a:ln w="34925">
-            <a:solidFill>
-              <a:srgbClr val="FF0000"/>
-            </a:solidFill>
-          </a:ln>
-        </p:spPr>
-        <p:style>
-          <a:lnRef idx="3">
-            <a:schemeClr val="accent2"/>
-          </a:lnRef>
-          <a:fillRef idx="0">
-            <a:schemeClr val="accent2"/>
-          </a:fillRef>
-          <a:effectRef idx="2">
-            <a:schemeClr val="accent2"/>
-          </a:effectRef>
-          <a:fontRef idx="minor">
-            <a:schemeClr val="tx1"/>
-          </a:fontRef>
-        </p:style>
-      </p:cxnSp>
-      <p:cxnSp>
-        <p:nvCxnSpPr>
-          <p:cNvPr id="43" name="直接连接符 42">
-            <a:extLst>
-              <a:ext uri="{FF2B5EF4-FFF2-40B4-BE49-F238E27FC236}">
-                <a16:creationId xmlns:a16="http://schemas.microsoft.com/office/drawing/2014/main" id="{219FE1F9-9AB2-475A-B5AC-46956EF8D1B8}"/>
-              </a:ext>
-            </a:extLst>
-          </p:cNvPr>
-          <p:cNvCxnSpPr>
-            <a:cxnSpLocks/>
-          </p:cNvCxnSpPr>
-          <p:nvPr/>
-        </p:nvCxnSpPr>
-        <p:spPr>
-          <a:xfrm flipV="1">
-            <a:off x="6373572" y="3283197"/>
-            <a:ext cx="0" cy="1227843"/>
-          </a:xfrm>
-          <a:prstGeom prst="line">
-            <a:avLst/>
-          </a:prstGeom>
-          <a:ln w="34925">
-            <a:solidFill>
-              <a:srgbClr val="00B050"/>
-            </a:solidFill>
-          </a:ln>
-        </p:spPr>
-        <p:style>
-          <a:lnRef idx="3">
-            <a:schemeClr val="accent2"/>
-          </a:lnRef>
-          <a:fillRef idx="0">
-            <a:schemeClr val="accent2"/>
-          </a:fillRef>
-          <a:effectRef idx="2">
-            <a:schemeClr val="accent2"/>
-          </a:effectRef>
-          <a:fontRef idx="minor">
-            <a:schemeClr val="tx1"/>
-          </a:fontRef>
-        </p:style>
-      </p:cxnSp>
-      <p:cxnSp>
-        <p:nvCxnSpPr>
-          <p:cNvPr id="46" name="直接连接符 45">
-            <a:extLst>
-              <a:ext uri="{FF2B5EF4-FFF2-40B4-BE49-F238E27FC236}">
-                <a16:creationId xmlns:a16="http://schemas.microsoft.com/office/drawing/2014/main" id="{13D608DC-343C-4D7D-A612-360339D398E6}"/>
-              </a:ext>
-            </a:extLst>
-          </p:cNvPr>
-          <p:cNvCxnSpPr>
-            <a:cxnSpLocks/>
-          </p:cNvCxnSpPr>
-          <p:nvPr/>
-        </p:nvCxnSpPr>
-        <p:spPr>
-          <a:xfrm flipV="1">
-            <a:off x="4914900" y="3283197"/>
-            <a:ext cx="1333646" cy="1326903"/>
-          </a:xfrm>
-          <a:prstGeom prst="line">
-            <a:avLst/>
-          </a:prstGeom>
-          <a:ln w="34925">
-            <a:solidFill>
-              <a:srgbClr val="00B050"/>
-            </a:solidFill>
-          </a:ln>
-        </p:spPr>
-        <p:style>
-          <a:lnRef idx="3">
-            <a:schemeClr val="accent2"/>
-          </a:lnRef>
-          <a:fillRef idx="0">
-            <a:schemeClr val="accent2"/>
-          </a:fillRef>
-          <a:effectRef idx="2">
-            <a:schemeClr val="accent2"/>
-          </a:effectRef>
-          <a:fontRef idx="minor">
-            <a:schemeClr val="tx1"/>
-          </a:fontRef>
-        </p:style>
-      </p:cxnSp>
-      <p:cxnSp>
-        <p:nvCxnSpPr>
-          <p:cNvPr id="49" name="直接连接符 48">
-            <a:extLst>
-              <a:ext uri="{FF2B5EF4-FFF2-40B4-BE49-F238E27FC236}">
-                <a16:creationId xmlns:a16="http://schemas.microsoft.com/office/drawing/2014/main" id="{BDE60651-D014-4C7C-B29C-5D5E64AE2D25}"/>
-              </a:ext>
-            </a:extLst>
-          </p:cNvPr>
-          <p:cNvCxnSpPr>
-            <a:cxnSpLocks/>
-          </p:cNvCxnSpPr>
-          <p:nvPr/>
-        </p:nvCxnSpPr>
-        <p:spPr>
-          <a:xfrm flipH="1" flipV="1">
-            <a:off x="6590330" y="3283197"/>
-            <a:ext cx="648670" cy="613921"/>
-          </a:xfrm>
-          <a:prstGeom prst="line">
-            <a:avLst/>
-          </a:prstGeom>
-          <a:ln w="34925">
-            <a:solidFill>
-              <a:srgbClr val="00B050"/>
-            </a:solidFill>
-          </a:ln>
-        </p:spPr>
-        <p:style>
-          <a:lnRef idx="3">
-            <a:schemeClr val="accent2"/>
-          </a:lnRef>
-          <a:fillRef idx="0">
-            <a:schemeClr val="accent2"/>
-          </a:fillRef>
-          <a:effectRef idx="2">
-            <a:schemeClr val="accent2"/>
-          </a:effectRef>
-          <a:fontRef idx="minor">
-            <a:schemeClr val="tx1"/>
-          </a:fontRef>
-        </p:style>
-      </p:cxnSp>
       <p:sp>
         <p:nvSpPr>
-          <p:cNvPr id="52" name="矩形 51">
-            <a:extLst>
-              <a:ext uri="{FF2B5EF4-FFF2-40B4-BE49-F238E27FC236}">
-                <a16:creationId xmlns:a16="http://schemas.microsoft.com/office/drawing/2014/main" id="{FD13979F-0876-4374-836B-1EDC223F3A47}"/>
+          <p:cNvPr id="2" name="矩形: 圆角 1">
+            <a:extLst>
+              <a:ext uri="{FF2B5EF4-FFF2-40B4-BE49-F238E27FC236}">
+                <a16:creationId xmlns:a16="http://schemas.microsoft.com/office/drawing/2014/main" id="{1B294873-E753-420B-A703-4B79A9802B91}"/>
               </a:ext>
             </a:extLst>
           </p:cNvPr>
@@ -3929,39 +3563,35 @@
         </p:nvSpPr>
         <p:spPr>
           <a:xfrm>
-            <a:off x="1719827" y="3497008"/>
-            <a:ext cx="2543006" cy="707886"/>
+            <a:off x="3222594" y="2246050"/>
+            <a:ext cx="559293" cy="506028"/>
           </a:xfrm>
-          <a:prstGeom prst="rect">
+          <a:prstGeom prst="roundRect">
             <a:avLst/>
           </a:prstGeom>
-          <a:noFill/>
         </p:spPr>
+        <p:style>
+          <a:lnRef idx="2">
+            <a:schemeClr val="accent1">
+              <a:shade val="50000"/>
+            </a:schemeClr>
+          </a:lnRef>
+          <a:fillRef idx="1">
+            <a:schemeClr val="accent1"/>
+          </a:fillRef>
+          <a:effectRef idx="0">
+            <a:schemeClr val="accent1"/>
+          </a:effectRef>
+          <a:fontRef idx="minor">
+            <a:schemeClr val="lt1"/>
+          </a:fontRef>
+        </p:style>
         <p:txBody>
-          <a:bodyPr wrap="square" lIns="91440" tIns="45720" rIns="91440" bIns="45720">
-            <a:spAutoFit/>
-          </a:bodyPr>
+          <a:bodyPr rtlCol="0" anchor="ctr"/>
           <a:lstStyle/>
           <a:p>
-            <a:r>
-              <a:rPr lang="zh-CN" altLang="en-US" sz="2000" b="0" cap="none" spc="0" dirty="0">
-                <a:ln w="0"/>
-                <a:solidFill>
-                  <a:schemeClr val="accent1"/>
-                </a:solidFill>
-                <a:effectLst>
-                  <a:outerShdw blurRad="38100" dist="25400" dir="5400000" algn="ctr" rotWithShape="0">
-                    <a:srgbClr val="6E747A">
-                      <a:alpha val="43000"/>
-                    </a:srgbClr>
-                  </a:outerShdw>
-                </a:effectLst>
-                <a:latin typeface="Times New Roman" panose="02020603050405020304" pitchFamily="18" charset="0"/>
-                <a:ea typeface="微软雅黑" panose="020B0503020204020204" pitchFamily="34" charset="-122"/>
-                <a:cs typeface="Times New Roman" panose="02020603050405020304" pitchFamily="18" charset="0"/>
-              </a:rPr>
-              <a:t>第三行没有符合条件的位置，遍历结束</a:t>
-            </a:r>
+            <a:pPr algn="ctr"/>
+            <a:endParaRPr lang="zh-CN" altLang="en-US"/>
           </a:p>
         </p:txBody>
       </p:sp>
@@ -3978,416 +3608,14 @@
   <p:clrMapOvr>
     <a:masterClrMapping/>
   </p:clrMapOvr>
-  <mc:AlternateContent xmlns:mc="http://schemas.openxmlformats.org/markup-compatibility/2006">
-    <mc:Choice xmlns:p14="http://schemas.microsoft.com/office/powerpoint/2010/main" Requires="p14">
+  <mc:AlternateContent xmlns:mc="http://schemas.openxmlformats.org/markup-compatibility/2006" xmlns:p14="http://schemas.microsoft.com/office/powerpoint/2010/main">
+    <mc:Choice Requires="p14">
       <p:transition spd="slow" p14:dur="2000" advTm="2265"/>
     </mc:Choice>
-    <mc:Fallback>
+    <mc:Fallback xmlns="">
       <p:transition spd="slow" advTm="2265"/>
     </mc:Fallback>
   </mc:AlternateContent>
-  <p:timing>
-    <p:tnLst>
-      <p:par>
-        <p:cTn id="1" dur="indefinite" restart="never" nodeType="tmRoot">
-          <p:childTnLst>
-            <p:seq concurrent="1" nextAc="seek">
-              <p:cTn id="2" dur="indefinite" nodeType="mainSeq">
-                <p:childTnLst>
-                  <p:par>
-                    <p:cTn id="3" fill="hold">
-                      <p:stCondLst>
-                        <p:cond delay="indefinite"/>
-                      </p:stCondLst>
-                      <p:childTnLst>
-                        <p:par>
-                          <p:cTn id="4" fill="hold">
-                            <p:stCondLst>
-                              <p:cond delay="0"/>
-                            </p:stCondLst>
-                            <p:childTnLst>
-                              <p:par>
-                                <p:cTn id="5" presetID="10" presetClass="entr" presetSubtype="0" fill="hold" nodeType="clickEffect">
-                                  <p:stCondLst>
-                                    <p:cond delay="0"/>
-                                  </p:stCondLst>
-                                  <p:childTnLst>
-                                    <p:set>
-                                      <p:cBhvr>
-                                        <p:cTn id="6" dur="1" fill="hold">
-                                          <p:stCondLst>
-                                            <p:cond delay="0"/>
-                                          </p:stCondLst>
-                                        </p:cTn>
-                                        <p:tgtEl>
-                                          <p:spTgt spid="33"/>
-                                        </p:tgtEl>
-                                        <p:attrNameLst>
-                                          <p:attrName>style.visibility</p:attrName>
-                                        </p:attrNameLst>
-                                      </p:cBhvr>
-                                      <p:to>
-                                        <p:strVal val="visible"/>
-                                      </p:to>
-                                    </p:set>
-                                    <p:animEffect transition="in" filter="fade">
-                                      <p:cBhvr>
-                                        <p:cTn id="7" dur="500"/>
-                                        <p:tgtEl>
-                                          <p:spTgt spid="33"/>
-                                        </p:tgtEl>
-                                      </p:cBhvr>
-                                    </p:animEffect>
-                                  </p:childTnLst>
-                                </p:cTn>
-                              </p:par>
-                              <p:par>
-                                <p:cTn id="8" presetID="10" presetClass="entr" presetSubtype="0" fill="hold" nodeType="withEffect">
-                                  <p:stCondLst>
-                                    <p:cond delay="0"/>
-                                  </p:stCondLst>
-                                  <p:childTnLst>
-                                    <p:set>
-                                      <p:cBhvr>
-                                        <p:cTn id="9" dur="1" fill="hold">
-                                          <p:stCondLst>
-                                            <p:cond delay="0"/>
-                                          </p:stCondLst>
-                                        </p:cTn>
-                                        <p:tgtEl>
-                                          <p:spTgt spid="6"/>
-                                        </p:tgtEl>
-                                        <p:attrNameLst>
-                                          <p:attrName>style.visibility</p:attrName>
-                                        </p:attrNameLst>
-                                      </p:cBhvr>
-                                      <p:to>
-                                        <p:strVal val="visible"/>
-                                      </p:to>
-                                    </p:set>
-                                    <p:animEffect transition="in" filter="fade">
-                                      <p:cBhvr>
-                                        <p:cTn id="10" dur="500"/>
-                                        <p:tgtEl>
-                                          <p:spTgt spid="6"/>
-                                        </p:tgtEl>
-                                      </p:cBhvr>
-                                    </p:animEffect>
-                                  </p:childTnLst>
-                                </p:cTn>
-                              </p:par>
-                              <p:par>
-                                <p:cTn id="11" presetID="10" presetClass="entr" presetSubtype="0" fill="hold" nodeType="withEffect">
-                                  <p:stCondLst>
-                                    <p:cond delay="0"/>
-                                  </p:stCondLst>
-                                  <p:childTnLst>
-                                    <p:set>
-                                      <p:cBhvr>
-                                        <p:cTn id="12" dur="1" fill="hold">
-                                          <p:stCondLst>
-                                            <p:cond delay="0"/>
-                                          </p:stCondLst>
-                                        </p:cTn>
-                                        <p:tgtEl>
-                                          <p:spTgt spid="41"/>
-                                        </p:tgtEl>
-                                        <p:attrNameLst>
-                                          <p:attrName>style.visibility</p:attrName>
-                                        </p:attrNameLst>
-                                      </p:cBhvr>
-                                      <p:to>
-                                        <p:strVal val="visible"/>
-                                      </p:to>
-                                    </p:set>
-                                    <p:animEffect transition="in" filter="fade">
-                                      <p:cBhvr>
-                                        <p:cTn id="13" dur="500"/>
-                                        <p:tgtEl>
-                                          <p:spTgt spid="41"/>
-                                        </p:tgtEl>
-                                      </p:cBhvr>
-                                    </p:animEffect>
-                                  </p:childTnLst>
-                                </p:cTn>
-                              </p:par>
-                              <p:par>
-                                <p:cTn id="14" presetID="10" presetClass="entr" presetSubtype="0" fill="hold" nodeType="withEffect">
-                                  <p:stCondLst>
-                                    <p:cond delay="0"/>
-                                  </p:stCondLst>
-                                  <p:childTnLst>
-                                    <p:set>
-                                      <p:cBhvr>
-                                        <p:cTn id="15" dur="1" fill="hold">
-                                          <p:stCondLst>
-                                            <p:cond delay="0"/>
-                                          </p:stCondLst>
-                                        </p:cTn>
-                                        <p:tgtEl>
-                                          <p:spTgt spid="40"/>
-                                        </p:tgtEl>
-                                        <p:attrNameLst>
-                                          <p:attrName>style.visibility</p:attrName>
-                                        </p:attrNameLst>
-                                      </p:cBhvr>
-                                      <p:to>
-                                        <p:strVal val="visible"/>
-                                      </p:to>
-                                    </p:set>
-                                    <p:animEffect transition="in" filter="fade">
-                                      <p:cBhvr>
-                                        <p:cTn id="16" dur="500"/>
-                                        <p:tgtEl>
-                                          <p:spTgt spid="40"/>
-                                        </p:tgtEl>
-                                      </p:cBhvr>
-                                    </p:animEffect>
-                                  </p:childTnLst>
-                                </p:cTn>
-                              </p:par>
-                            </p:childTnLst>
-                          </p:cTn>
-                        </p:par>
-                      </p:childTnLst>
-                    </p:cTn>
-                  </p:par>
-                  <p:par>
-                    <p:cTn id="17" fill="hold">
-                      <p:stCondLst>
-                        <p:cond delay="indefinite"/>
-                      </p:stCondLst>
-                      <p:childTnLst>
-                        <p:par>
-                          <p:cTn id="18" fill="hold">
-                            <p:stCondLst>
-                              <p:cond delay="0"/>
-                            </p:stCondLst>
-                            <p:childTnLst>
-                              <p:par>
-                                <p:cTn id="19" presetID="10" presetClass="entr" presetSubtype="0" fill="hold" nodeType="clickEffect">
-                                  <p:stCondLst>
-                                    <p:cond delay="0"/>
-                                  </p:stCondLst>
-                                  <p:childTnLst>
-                                    <p:set>
-                                      <p:cBhvr>
-                                        <p:cTn id="20" dur="1" fill="hold">
-                                          <p:stCondLst>
-                                            <p:cond delay="0"/>
-                                          </p:stCondLst>
-                                        </p:cTn>
-                                        <p:tgtEl>
-                                          <p:spTgt spid="31"/>
-                                        </p:tgtEl>
-                                        <p:attrNameLst>
-                                          <p:attrName>style.visibility</p:attrName>
-                                        </p:attrNameLst>
-                                      </p:cBhvr>
-                                      <p:to>
-                                        <p:strVal val="visible"/>
-                                      </p:to>
-                                    </p:set>
-                                    <p:animEffect transition="in" filter="fade">
-                                      <p:cBhvr>
-                                        <p:cTn id="21" dur="500"/>
-                                        <p:tgtEl>
-                                          <p:spTgt spid="31"/>
-                                        </p:tgtEl>
-                                      </p:cBhvr>
-                                    </p:animEffect>
-                                  </p:childTnLst>
-                                </p:cTn>
-                              </p:par>
-                              <p:par>
-                                <p:cTn id="22" presetID="10" presetClass="entr" presetSubtype="0" fill="hold" nodeType="withEffect">
-                                  <p:stCondLst>
-                                    <p:cond delay="0"/>
-                                  </p:stCondLst>
-                                  <p:childTnLst>
-                                    <p:set>
-                                      <p:cBhvr>
-                                        <p:cTn id="23" dur="1" fill="hold">
-                                          <p:stCondLst>
-                                            <p:cond delay="0"/>
-                                          </p:stCondLst>
-                                        </p:cTn>
-                                        <p:tgtEl>
-                                          <p:spTgt spid="46"/>
-                                        </p:tgtEl>
-                                        <p:attrNameLst>
-                                          <p:attrName>style.visibility</p:attrName>
-                                        </p:attrNameLst>
-                                      </p:cBhvr>
-                                      <p:to>
-                                        <p:strVal val="visible"/>
-                                      </p:to>
-                                    </p:set>
-                                    <p:animEffect transition="in" filter="fade">
-                                      <p:cBhvr>
-                                        <p:cTn id="24" dur="500"/>
-                                        <p:tgtEl>
-                                          <p:spTgt spid="46"/>
-                                        </p:tgtEl>
-                                      </p:cBhvr>
-                                    </p:animEffect>
-                                  </p:childTnLst>
-                                </p:cTn>
-                              </p:par>
-                              <p:par>
-                                <p:cTn id="25" presetID="10" presetClass="entr" presetSubtype="0" fill="hold" nodeType="withEffect">
-                                  <p:stCondLst>
-                                    <p:cond delay="0"/>
-                                  </p:stCondLst>
-                                  <p:childTnLst>
-                                    <p:set>
-                                      <p:cBhvr>
-                                        <p:cTn id="26" dur="1" fill="hold">
-                                          <p:stCondLst>
-                                            <p:cond delay="0"/>
-                                          </p:stCondLst>
-                                        </p:cTn>
-                                        <p:tgtEl>
-                                          <p:spTgt spid="43"/>
-                                        </p:tgtEl>
-                                        <p:attrNameLst>
-                                          <p:attrName>style.visibility</p:attrName>
-                                        </p:attrNameLst>
-                                      </p:cBhvr>
-                                      <p:to>
-                                        <p:strVal val="visible"/>
-                                      </p:to>
-                                    </p:set>
-                                    <p:animEffect transition="in" filter="fade">
-                                      <p:cBhvr>
-                                        <p:cTn id="27" dur="500"/>
-                                        <p:tgtEl>
-                                          <p:spTgt spid="43"/>
-                                        </p:tgtEl>
-                                      </p:cBhvr>
-                                    </p:animEffect>
-                                  </p:childTnLst>
-                                </p:cTn>
-                              </p:par>
-                              <p:par>
-                                <p:cTn id="28" presetID="10" presetClass="entr" presetSubtype="0" fill="hold" nodeType="withEffect">
-                                  <p:stCondLst>
-                                    <p:cond delay="0"/>
-                                  </p:stCondLst>
-                                  <p:childTnLst>
-                                    <p:set>
-                                      <p:cBhvr>
-                                        <p:cTn id="29" dur="1" fill="hold">
-                                          <p:stCondLst>
-                                            <p:cond delay="0"/>
-                                          </p:stCondLst>
-                                        </p:cTn>
-                                        <p:tgtEl>
-                                          <p:spTgt spid="49"/>
-                                        </p:tgtEl>
-                                        <p:attrNameLst>
-                                          <p:attrName>style.visibility</p:attrName>
-                                        </p:attrNameLst>
-                                      </p:cBhvr>
-                                      <p:to>
-                                        <p:strVal val="visible"/>
-                                      </p:to>
-                                    </p:set>
-                                    <p:animEffect transition="in" filter="fade">
-                                      <p:cBhvr>
-                                        <p:cTn id="30" dur="500"/>
-                                        <p:tgtEl>
-                                          <p:spTgt spid="49"/>
-                                        </p:tgtEl>
-                                      </p:cBhvr>
-                                    </p:animEffect>
-                                  </p:childTnLst>
-                                </p:cTn>
-                              </p:par>
-                            </p:childTnLst>
-                          </p:cTn>
-                        </p:par>
-                      </p:childTnLst>
-                    </p:cTn>
-                  </p:par>
-                  <p:par>
-                    <p:cTn id="31" fill="hold">
-                      <p:stCondLst>
-                        <p:cond delay="indefinite"/>
-                      </p:stCondLst>
-                      <p:childTnLst>
-                        <p:par>
-                          <p:cTn id="32" fill="hold">
-                            <p:stCondLst>
-                              <p:cond delay="0"/>
-                            </p:stCondLst>
-                            <p:childTnLst>
-                              <p:par>
-                                <p:cTn id="33" presetID="10" presetClass="entr" presetSubtype="0" fill="hold" grpId="0" nodeType="clickEffect">
-                                  <p:stCondLst>
-                                    <p:cond delay="0"/>
-                                  </p:stCondLst>
-                                  <p:childTnLst>
-                                    <p:set>
-                                      <p:cBhvr>
-                                        <p:cTn id="34" dur="1" fill="hold">
-                                          <p:stCondLst>
-                                            <p:cond delay="0"/>
-                                          </p:stCondLst>
-                                        </p:cTn>
-                                        <p:tgtEl>
-                                          <p:spTgt spid="52"/>
-                                        </p:tgtEl>
-                                        <p:attrNameLst>
-                                          <p:attrName>style.visibility</p:attrName>
-                                        </p:attrNameLst>
-                                      </p:cBhvr>
-                                      <p:to>
-                                        <p:strVal val="visible"/>
-                                      </p:to>
-                                    </p:set>
-                                    <p:animEffect transition="in" filter="fade">
-                                      <p:cBhvr>
-                                        <p:cTn id="35" dur="500"/>
-                                        <p:tgtEl>
-                                          <p:spTgt spid="52"/>
-                                        </p:tgtEl>
-                                      </p:cBhvr>
-                                    </p:animEffect>
-                                  </p:childTnLst>
-                                </p:cTn>
-                              </p:par>
-                            </p:childTnLst>
-                          </p:cTn>
-                        </p:par>
-                      </p:childTnLst>
-                    </p:cTn>
-                  </p:par>
-                </p:childTnLst>
-              </p:cTn>
-              <p:prevCondLst>
-                <p:cond evt="onPrev" delay="0">
-                  <p:tgtEl>
-                    <p:sldTgt/>
-                  </p:tgtEl>
-                </p:cond>
-              </p:prevCondLst>
-              <p:nextCondLst>
-                <p:cond evt="onNext" delay="0">
-                  <p:tgtEl>
-                    <p:sldTgt/>
-                  </p:tgtEl>
-                </p:cond>
-              </p:nextCondLst>
-            </p:seq>
-          </p:childTnLst>
-        </p:cTn>
-      </p:par>
-    </p:tnLst>
-    <p:bldLst>
-      <p:bldP spid="52" grpId="0"/>
-    </p:bldLst>
-  </p:timing>
 </p:sld>
 </file>
 
@@ -4853,11 +4081,11 @@
   <p:clrMapOvr>
     <a:masterClrMapping/>
   </p:clrMapOvr>
-  <mc:AlternateContent xmlns:mc="http://schemas.openxmlformats.org/markup-compatibility/2006">
-    <mc:Choice xmlns:p14="http://schemas.microsoft.com/office/powerpoint/2010/main" Requires="p14">
+  <mc:AlternateContent xmlns:mc="http://schemas.openxmlformats.org/markup-compatibility/2006" xmlns:p14="http://schemas.microsoft.com/office/powerpoint/2010/main">
+    <mc:Choice Requires="p14">
       <p:transition spd="slow" p14:dur="2000" advTm="2693"/>
     </mc:Choice>
-    <mc:Fallback>
+    <mc:Fallback xmlns="">
       <p:transition spd="slow" advTm="2693"/>
     </mc:Fallback>
   </mc:AlternateContent>
@@ -5896,11 +5124,11 @@
   <p:clrMapOvr>
     <a:masterClrMapping/>
   </p:clrMapOvr>
-  <mc:AlternateContent xmlns:mc="http://schemas.openxmlformats.org/markup-compatibility/2006">
-    <mc:Choice xmlns:p14="http://schemas.microsoft.com/office/powerpoint/2010/main" Requires="p14">
+  <mc:AlternateContent xmlns:mc="http://schemas.openxmlformats.org/markup-compatibility/2006" xmlns:p14="http://schemas.microsoft.com/office/powerpoint/2010/main">
+    <mc:Choice Requires="p14">
       <p:transition spd="slow" p14:dur="2000" advTm="3975"/>
     </mc:Choice>
-    <mc:Fallback>
+    <mc:Fallback xmlns="">
       <p:transition spd="slow" advTm="3975"/>
     </mc:Fallback>
   </mc:AlternateContent>
@@ -7024,11 +6252,11 @@
   <p:clrMapOvr>
     <a:masterClrMapping/>
   </p:clrMapOvr>
-  <mc:AlternateContent xmlns:mc="http://schemas.openxmlformats.org/markup-compatibility/2006">
-    <mc:Choice xmlns:p14="http://schemas.microsoft.com/office/powerpoint/2010/main" Requires="p14">
+  <mc:AlternateContent xmlns:mc="http://schemas.openxmlformats.org/markup-compatibility/2006" xmlns:p14="http://schemas.microsoft.com/office/powerpoint/2010/main">
+    <mc:Choice Requires="p14">
       <p:transition spd="slow" p14:dur="2000" advTm="3784"/>
     </mc:Choice>
-    <mc:Fallback>
+    <mc:Fallback xmlns="">
       <p:transition spd="slow" advTm="3784"/>
     </mc:Fallback>
   </mc:AlternateContent>
@@ -8042,11 +7270,11 @@
   <p:clrMapOvr>
     <a:masterClrMapping/>
   </p:clrMapOvr>
-  <mc:AlternateContent xmlns:mc="http://schemas.openxmlformats.org/markup-compatibility/2006">
-    <mc:Choice xmlns:p14="http://schemas.microsoft.com/office/powerpoint/2010/main" Requires="p14">
+  <mc:AlternateContent xmlns:mc="http://schemas.openxmlformats.org/markup-compatibility/2006" xmlns:p14="http://schemas.microsoft.com/office/powerpoint/2010/main">
+    <mc:Choice Requires="p14">
       <p:transition spd="slow" p14:dur="2000" advTm="2985"/>
     </mc:Choice>
-    <mc:Fallback>
+    <mc:Fallback xmlns="">
       <p:transition spd="slow" advTm="2985"/>
     </mc:Fallback>
   </mc:AlternateContent>
@@ -8942,11 +8170,11 @@
   <p:clrMapOvr>
     <a:masterClrMapping/>
   </p:clrMapOvr>
-  <mc:AlternateContent xmlns:mc="http://schemas.openxmlformats.org/markup-compatibility/2006">
-    <mc:Choice xmlns:p14="http://schemas.microsoft.com/office/powerpoint/2010/main" Requires="p14">
+  <mc:AlternateContent xmlns:mc="http://schemas.openxmlformats.org/markup-compatibility/2006" xmlns:p14="http://schemas.microsoft.com/office/powerpoint/2010/main">
+    <mc:Choice Requires="p14">
       <p:transition spd="slow" p14:dur="2000" advTm="2389"/>
     </mc:Choice>
-    <mc:Fallback>
+    <mc:Fallback xmlns="">
       <p:transition spd="slow" advTm="2389"/>
     </mc:Fallback>
   </mc:AlternateContent>
